--- a/projects/client-presentation-3/client-pres-3 SAC.pptx
+++ b/projects/client-presentation-3/client-pres-3 SAC.pptx
@@ -197,7 +197,7 @@
           <a:p>
             <a:fld id="{C232A348-A83C-0543-BF09-774A7B3D05C7}" type="datetimeFigureOut">
               <a:rPr lang="en-US" smtClean="0"/>
-              <a:t>4/26/25</a:t>
+              <a:t>5/4/25</a:t>
             </a:fld>
             <a:endParaRPr lang="en-US"/>
           </a:p>
@@ -704,7 +704,7 @@
           <a:p>
             <a:fld id="{6444479B-705B-4489-957E-7E8A228BDFA0}" type="datetime1">
               <a:rPr lang="en-US" smtClean="0"/>
-              <a:t>4/26/25</a:t>
+              <a:t>5/4/25</a:t>
             </a:fld>
             <a:endParaRPr lang="en-US"/>
           </a:p>
@@ -904,7 +904,7 @@
           <a:p>
             <a:fld id="{C07B66AD-7C08-490A-ADA4-B47E10FB2407}" type="datetime1">
               <a:rPr lang="en-US" smtClean="0"/>
-              <a:t>4/26/25</a:t>
+              <a:t>5/4/25</a:t>
             </a:fld>
             <a:endParaRPr lang="en-US"/>
           </a:p>
@@ -1163,7 +1163,7 @@
           <a:p>
             <a:fld id="{05B95027-4255-49E7-9841-CD21BCC99996}" type="datetime1">
               <a:rPr lang="en-US" smtClean="0"/>
-              <a:t>4/26/25</a:t>
+              <a:t>5/4/25</a:t>
             </a:fld>
             <a:endParaRPr lang="en-US"/>
           </a:p>
@@ -1404,7 +1404,7 @@
           <a:p>
             <a:fld id="{9F89F774-3FA6-43B8-9241-99959C8FD463}" type="datetime1">
               <a:rPr lang="en-US" smtClean="0"/>
-              <a:t>4/26/25</a:t>
+              <a:t>5/4/25</a:t>
             </a:fld>
             <a:endParaRPr lang="en-US"/>
           </a:p>
@@ -1731,7 +1731,7 @@
           <a:p>
             <a:fld id="{F9504452-5DCC-4FE2-A5C9-8A5EF6714D65}" type="datetime1">
               <a:rPr lang="en-US" smtClean="0"/>
-              <a:t>4/26/25</a:t>
+              <a:t>5/4/25</a:t>
             </a:fld>
             <a:endParaRPr lang="en-US"/>
           </a:p>
@@ -2041,7 +2041,7 @@
           <a:p>
             <a:fld id="{E579ABC2-0180-4F3A-A895-A85BC724D472}" type="datetime1">
               <a:rPr lang="en-US" smtClean="0"/>
-              <a:t>4/26/25</a:t>
+              <a:t>5/4/25</a:t>
             </a:fld>
             <a:endParaRPr lang="en-US"/>
           </a:p>
@@ -2459,7 +2459,7 @@
           <a:p>
             <a:fld id="{6AEEA9BA-4E8F-439E-BEA4-91FBA01E3F5F}" type="datetime1">
               <a:rPr lang="en-US" smtClean="0"/>
-              <a:t>4/26/25</a:t>
+              <a:t>5/4/25</a:t>
             </a:fld>
             <a:endParaRPr lang="en-US"/>
           </a:p>
@@ -2601,7 +2601,7 @@
           <a:p>
             <a:fld id="{BE15BF18-0007-481C-AA29-413124BC3EE7}" type="datetime1">
               <a:rPr lang="en-US" smtClean="0"/>
-              <a:t>4/26/25</a:t>
+              <a:t>5/4/25</a:t>
             </a:fld>
             <a:endParaRPr lang="en-US"/>
           </a:p>
@@ -2763,7 +2763,7 @@
           <a:p>
             <a:fld id="{09BE9870-3748-43AD-B547-02A075CB4A1D}" type="datetime1">
               <a:rPr lang="en-US" smtClean="0"/>
-              <a:t>4/26/25</a:t>
+              <a:t>5/4/25</a:t>
             </a:fld>
             <a:endParaRPr lang="en-US"/>
           </a:p>
@@ -3080,7 +3080,7 @@
           <a:p>
             <a:fld id="{558E7897-33C5-4F1A-9307-D068E37F3DC7}" type="datetime1">
               <a:rPr lang="en-US" smtClean="0"/>
-              <a:t>4/26/25</a:t>
+              <a:t>5/4/25</a:t>
             </a:fld>
             <a:endParaRPr lang="en-US"/>
           </a:p>
@@ -3375,7 +3375,7 @@
           <a:p>
             <a:fld id="{82E171BA-CC09-47C8-A6DF-F5C5CB59CEEC}" type="datetime1">
               <a:rPr lang="en-US" smtClean="0"/>
-              <a:t>4/26/25</a:t>
+              <a:t>5/4/25</a:t>
             </a:fld>
             <a:endParaRPr lang="en-US"/>
           </a:p>
@@ -3616,7 +3616,7 @@
           <a:p>
             <a:fld id="{7DA38F49-B3E2-4BF0-BEC7-C30D34ABBB8D}" type="datetime1">
               <a:rPr lang="en-US" smtClean="0"/>
-              <a:t>4/26/25</a:t>
+              <a:t>5/4/25</a:t>
             </a:fld>
             <a:endParaRPr lang="en-US"/>
           </a:p>
@@ -4292,8 +4292,8 @@
         </p:blipFill>
         <p:spPr>
           <a:xfrm>
-            <a:off x="0" y="646331"/>
-            <a:ext cx="12192000" cy="6529578"/>
+            <a:off x="-26276" y="153619"/>
+            <a:ext cx="12192000" cy="6857999"/>
           </a:xfrm>
           <a:prstGeom prst="rect">
             <a:avLst/>
@@ -4425,7 +4425,7 @@
             </a:r>
             <a:r>
               <a:rPr lang="en-US" dirty="0" err="1"/>
-              <a:t>Jonathen</a:t>
+              <a:t>Johnathen</a:t>
             </a:r>
             <a:r>
               <a:rPr lang="en-US" dirty="0"/>
@@ -4492,10 +4492,10 @@
       </p:cxnSp>
       <p:sp>
         <p:nvSpPr>
-          <p:cNvPr id="18" name="TextBox 17">
-            <a:extLst>
-              <a:ext uri="{FF2B5EF4-FFF2-40B4-BE49-F238E27FC236}">
-                <a16:creationId xmlns:a16="http://schemas.microsoft.com/office/drawing/2014/main" id="{3773BEDE-35B5-0E40-A804-F3DC76015124}"/>
+          <p:cNvPr id="2" name="TextBox 1">
+            <a:extLst>
+              <a:ext uri="{FF2B5EF4-FFF2-40B4-BE49-F238E27FC236}">
+                <a16:creationId xmlns:a16="http://schemas.microsoft.com/office/drawing/2014/main" id="{6BC6D9E4-8104-2440-A1CA-61F971AF65AD}"/>
               </a:ext>
             </a:extLst>
           </p:cNvPr>
@@ -4504,18 +4504,523 @@
         </p:nvSpPr>
         <p:spPr>
           <a:xfrm>
-            <a:off x="126123" y="777766"/>
-            <a:ext cx="3839724" cy="1292662"/>
+            <a:off x="120318" y="748146"/>
+            <a:ext cx="3943009" cy="369332"/>
+          </a:xfrm>
+          <a:prstGeom prst="rect">
+            <a:avLst/>
+          </a:prstGeom>
+          <a:solidFill>
+            <a:schemeClr val="tx2"/>
+          </a:solidFill>
+          <a:effectLst>
+            <a:outerShdw blurRad="50800" dist="38100" dir="8100000" algn="tr" rotWithShape="0">
+              <a:prstClr val="black">
+                <a:alpha val="40000"/>
+              </a:prstClr>
+            </a:outerShdw>
+            <a:softEdge rad="12700"/>
+          </a:effectLst>
+        </p:spPr>
+        <p:txBody>
+          <a:bodyPr wrap="square" rtlCol="0">
+            <a:spAutoFit/>
+          </a:bodyPr>
+          <a:lstStyle/>
+          <a:p>
+            <a:pPr algn="ctr"/>
+            <a:r>
+              <a:rPr lang="en-US" dirty="0">
+                <a:solidFill>
+                  <a:schemeClr val="bg1"/>
+                </a:solidFill>
+              </a:rPr>
+              <a:t>Executive Summary</a:t>
+            </a:r>
+          </a:p>
+        </p:txBody>
+      </p:sp>
+      <p:sp>
+        <p:nvSpPr>
+          <p:cNvPr id="19" name="TextBox 18">
+            <a:extLst>
+              <a:ext uri="{FF2B5EF4-FFF2-40B4-BE49-F238E27FC236}">
+                <a16:creationId xmlns:a16="http://schemas.microsoft.com/office/drawing/2014/main" id="{7A6D0668-CEFD-354A-B67C-39A792329B5F}"/>
+              </a:ext>
+            </a:extLst>
+          </p:cNvPr>
+          <p:cNvSpPr txBox="1"/>
+          <p:nvPr/>
+        </p:nvSpPr>
+        <p:spPr>
+          <a:xfrm>
+            <a:off x="4089603" y="746403"/>
+            <a:ext cx="3943009" cy="369332"/>
+          </a:xfrm>
+          <a:prstGeom prst="rect">
+            <a:avLst/>
+          </a:prstGeom>
+          <a:solidFill>
+            <a:schemeClr val="tx2"/>
+          </a:solidFill>
+          <a:effectLst>
+            <a:outerShdw blurRad="50800" dist="38100" dir="8100000" algn="tr" rotWithShape="0">
+              <a:prstClr val="black">
+                <a:alpha val="40000"/>
+              </a:prstClr>
+            </a:outerShdw>
+            <a:softEdge rad="12700"/>
+          </a:effectLst>
+        </p:spPr>
+        <p:txBody>
+          <a:bodyPr wrap="square" rtlCol="0">
+            <a:spAutoFit/>
+          </a:bodyPr>
+          <a:lstStyle/>
+          <a:p>
+            <a:pPr algn="ctr"/>
+            <a:r>
+              <a:rPr lang="en-US" dirty="0">
+                <a:solidFill>
+                  <a:schemeClr val="bg1"/>
+                </a:solidFill>
+              </a:rPr>
+              <a:t>Business Context</a:t>
+            </a:r>
+          </a:p>
+        </p:txBody>
+      </p:sp>
+      <p:sp>
+        <p:nvSpPr>
+          <p:cNvPr id="20" name="TextBox 19">
+            <a:extLst>
+              <a:ext uri="{FF2B5EF4-FFF2-40B4-BE49-F238E27FC236}">
+                <a16:creationId xmlns:a16="http://schemas.microsoft.com/office/drawing/2014/main" id="{B9E7BEA6-62FF-924F-A618-B6DF4E74D384}"/>
+              </a:ext>
+            </a:extLst>
+          </p:cNvPr>
+          <p:cNvSpPr txBox="1"/>
+          <p:nvPr/>
+        </p:nvSpPr>
+        <p:spPr>
+          <a:xfrm>
+            <a:off x="8070317" y="746403"/>
+            <a:ext cx="3943008" cy="369332"/>
+          </a:xfrm>
+          <a:prstGeom prst="rect">
+            <a:avLst/>
+          </a:prstGeom>
+          <a:solidFill>
+            <a:schemeClr val="tx2"/>
+          </a:solidFill>
+          <a:effectLst>
+            <a:outerShdw blurRad="50800" dist="38100" dir="8100000" algn="tr" rotWithShape="0">
+              <a:prstClr val="black">
+                <a:alpha val="40000"/>
+              </a:prstClr>
+            </a:outerShdw>
+            <a:softEdge rad="12700"/>
+          </a:effectLst>
+        </p:spPr>
+        <p:txBody>
+          <a:bodyPr wrap="square" rtlCol="0">
+            <a:spAutoFit/>
+          </a:bodyPr>
+          <a:lstStyle/>
+          <a:p>
+            <a:pPr algn="ctr"/>
+            <a:r>
+              <a:rPr lang="en-US" dirty="0">
+                <a:solidFill>
+                  <a:schemeClr val="bg1"/>
+                </a:solidFill>
+              </a:rPr>
+              <a:t>Data Overview</a:t>
+            </a:r>
+          </a:p>
+        </p:txBody>
+      </p:sp>
+      <p:sp>
+        <p:nvSpPr>
+          <p:cNvPr id="3" name="Rectangle 2">
+            <a:extLst>
+              <a:ext uri="{FF2B5EF4-FFF2-40B4-BE49-F238E27FC236}">
+                <a16:creationId xmlns:a16="http://schemas.microsoft.com/office/drawing/2014/main" id="{6945920D-C1E8-E84C-8B1F-2AC464A94D24}"/>
+              </a:ext>
+            </a:extLst>
+          </p:cNvPr>
+          <p:cNvSpPr/>
+          <p:nvPr/>
+        </p:nvSpPr>
+        <p:spPr>
+          <a:xfrm>
+            <a:off x="120317" y="1166942"/>
+            <a:ext cx="3943009" cy="1693840"/>
+          </a:xfrm>
+          <a:prstGeom prst="rect">
+            <a:avLst/>
+          </a:prstGeom>
+          <a:effectLst>
+            <a:outerShdw blurRad="50800" dist="38100" dir="8100000" algn="tr" rotWithShape="0">
+              <a:prstClr val="black">
+                <a:alpha val="40000"/>
+              </a:prstClr>
+            </a:outerShdw>
+            <a:softEdge rad="12700"/>
+          </a:effectLst>
+        </p:spPr>
+        <p:style>
+          <a:lnRef idx="2">
+            <a:schemeClr val="accent6"/>
+          </a:lnRef>
+          <a:fillRef idx="1">
+            <a:schemeClr val="lt1"/>
+          </a:fillRef>
+          <a:effectRef idx="0">
+            <a:schemeClr val="accent6"/>
+          </a:effectRef>
+          <a:fontRef idx="minor">
+            <a:schemeClr val="dk1"/>
+          </a:fontRef>
+        </p:style>
+        <p:txBody>
+          <a:bodyPr rtlCol="0" anchor="ctr"/>
+          <a:lstStyle/>
+          <a:p>
+            <a:pPr algn="ctr"/>
+            <a:endParaRPr lang="en-US" sz="1600" dirty="0"/>
+          </a:p>
+        </p:txBody>
+      </p:sp>
+      <p:sp>
+        <p:nvSpPr>
+          <p:cNvPr id="25" name="Rectangle 24">
+            <a:extLst>
+              <a:ext uri="{FF2B5EF4-FFF2-40B4-BE49-F238E27FC236}">
+                <a16:creationId xmlns:a16="http://schemas.microsoft.com/office/drawing/2014/main" id="{3DB23CB6-63DD-CF49-9A09-73CAA6E8AC0C}"/>
+              </a:ext>
+            </a:extLst>
+          </p:cNvPr>
+          <p:cNvSpPr/>
+          <p:nvPr/>
+        </p:nvSpPr>
+        <p:spPr>
+          <a:xfrm>
+            <a:off x="4089603" y="1166940"/>
+            <a:ext cx="3943009" cy="1693841"/>
+          </a:xfrm>
+          <a:prstGeom prst="rect">
+            <a:avLst/>
+          </a:prstGeom>
+          <a:effectLst>
+            <a:outerShdw blurRad="50800" dist="38100" dir="8100000" algn="tr" rotWithShape="0">
+              <a:prstClr val="black">
+                <a:alpha val="40000"/>
+              </a:prstClr>
+            </a:outerShdw>
+            <a:softEdge rad="12700"/>
+          </a:effectLst>
+        </p:spPr>
+        <p:style>
+          <a:lnRef idx="2">
+            <a:schemeClr val="accent6"/>
+          </a:lnRef>
+          <a:fillRef idx="1">
+            <a:schemeClr val="lt1"/>
+          </a:fillRef>
+          <a:effectRef idx="0">
+            <a:schemeClr val="accent6"/>
+          </a:effectRef>
+          <a:fontRef idx="minor">
+            <a:schemeClr val="dk1"/>
+          </a:fontRef>
+        </p:style>
+        <p:txBody>
+          <a:bodyPr rtlCol="0" anchor="ctr"/>
+          <a:lstStyle/>
+          <a:p>
+            <a:pPr algn="ctr"/>
+            <a:endParaRPr lang="en-US" sz="1400" dirty="0"/>
+          </a:p>
+        </p:txBody>
+      </p:sp>
+      <p:sp>
+        <p:nvSpPr>
+          <p:cNvPr id="26" name="Rectangle 25">
+            <a:extLst>
+              <a:ext uri="{FF2B5EF4-FFF2-40B4-BE49-F238E27FC236}">
+                <a16:creationId xmlns:a16="http://schemas.microsoft.com/office/drawing/2014/main" id="{6C0A8B83-8259-B84A-849C-98A2E2DED2F7}"/>
+              </a:ext>
+            </a:extLst>
+          </p:cNvPr>
+          <p:cNvSpPr/>
+          <p:nvPr/>
+        </p:nvSpPr>
+        <p:spPr>
+          <a:xfrm>
+            <a:off x="8070317" y="1166940"/>
+            <a:ext cx="3943009" cy="1693840"/>
+          </a:xfrm>
+          <a:prstGeom prst="rect">
+            <a:avLst/>
+          </a:prstGeom>
+          <a:effectLst>
+            <a:outerShdw blurRad="50800" dist="38100" dir="8100000" algn="tr" rotWithShape="0">
+              <a:prstClr val="black">
+                <a:alpha val="40000"/>
+              </a:prstClr>
+            </a:outerShdw>
+            <a:softEdge rad="12700"/>
+          </a:effectLst>
+        </p:spPr>
+        <p:style>
+          <a:lnRef idx="2">
+            <a:schemeClr val="accent6"/>
+          </a:lnRef>
+          <a:fillRef idx="1">
+            <a:schemeClr val="lt1"/>
+          </a:fillRef>
+          <a:effectRef idx="0">
+            <a:schemeClr val="accent6"/>
+          </a:effectRef>
+          <a:fontRef idx="minor">
+            <a:schemeClr val="dk1"/>
+          </a:fontRef>
+        </p:style>
+        <p:txBody>
+          <a:bodyPr rtlCol="0" anchor="ctr"/>
+          <a:lstStyle/>
+          <a:p>
+            <a:pPr algn="ctr"/>
+            <a:endParaRPr lang="en-US"/>
+          </a:p>
+        </p:txBody>
+      </p:sp>
+      <p:sp>
+        <p:nvSpPr>
+          <p:cNvPr id="27" name="TextBox 26">
+            <a:extLst>
+              <a:ext uri="{FF2B5EF4-FFF2-40B4-BE49-F238E27FC236}">
+                <a16:creationId xmlns:a16="http://schemas.microsoft.com/office/drawing/2014/main" id="{5DF7FD41-D55A-5B43-8BBB-B06D397E6ED1}"/>
+              </a:ext>
+            </a:extLst>
+          </p:cNvPr>
+          <p:cNvSpPr txBox="1"/>
+          <p:nvPr/>
+        </p:nvSpPr>
+        <p:spPr>
+          <a:xfrm>
+            <a:off x="120316" y="2910246"/>
+            <a:ext cx="5905895" cy="369332"/>
+          </a:xfrm>
+          <a:prstGeom prst="rect">
+            <a:avLst/>
+          </a:prstGeom>
+          <a:solidFill>
+            <a:schemeClr val="tx2"/>
+          </a:solidFill>
+          <a:effectLst>
+            <a:outerShdw blurRad="50800" dist="38100" dir="8100000" algn="tr" rotWithShape="0">
+              <a:prstClr val="black">
+                <a:alpha val="40000"/>
+              </a:prstClr>
+            </a:outerShdw>
+            <a:softEdge rad="12700"/>
+          </a:effectLst>
+        </p:spPr>
+        <p:txBody>
+          <a:bodyPr wrap="square" rtlCol="0">
+            <a:spAutoFit/>
+          </a:bodyPr>
+          <a:lstStyle/>
+          <a:p>
+            <a:pPr algn="ctr"/>
+            <a:r>
+              <a:rPr lang="en-US" dirty="0">
+                <a:solidFill>
+                  <a:schemeClr val="bg1"/>
+                </a:solidFill>
+              </a:rPr>
+              <a:t>Models and Methodology</a:t>
+            </a:r>
+          </a:p>
+        </p:txBody>
+      </p:sp>
+      <p:sp>
+        <p:nvSpPr>
+          <p:cNvPr id="29" name="TextBox 28">
+            <a:extLst>
+              <a:ext uri="{FF2B5EF4-FFF2-40B4-BE49-F238E27FC236}">
+                <a16:creationId xmlns:a16="http://schemas.microsoft.com/office/drawing/2014/main" id="{FF9C9419-B0E6-2A48-BFBD-D887D4FDB140}"/>
+              </a:ext>
+            </a:extLst>
+          </p:cNvPr>
+          <p:cNvSpPr txBox="1"/>
+          <p:nvPr/>
+        </p:nvSpPr>
+        <p:spPr>
+          <a:xfrm>
+            <a:off x="6107429" y="2910246"/>
+            <a:ext cx="5905895" cy="369332"/>
+          </a:xfrm>
+          <a:prstGeom prst="rect">
+            <a:avLst/>
+          </a:prstGeom>
+          <a:solidFill>
+            <a:schemeClr val="tx2"/>
+          </a:solidFill>
+          <a:effectLst>
+            <a:outerShdw blurRad="50800" dist="38100" dir="8100000" algn="tr" rotWithShape="0">
+              <a:prstClr val="black">
+                <a:alpha val="40000"/>
+              </a:prstClr>
+            </a:outerShdw>
+            <a:softEdge rad="12700"/>
+          </a:effectLst>
+        </p:spPr>
+        <p:txBody>
+          <a:bodyPr wrap="square" rtlCol="0">
+            <a:spAutoFit/>
+          </a:bodyPr>
+          <a:lstStyle/>
+          <a:p>
+            <a:pPr algn="ctr"/>
+            <a:r>
+              <a:rPr lang="en-US" dirty="0">
+                <a:solidFill>
+                  <a:schemeClr val="bg1"/>
+                </a:solidFill>
+              </a:rPr>
+              <a:t>Insights, Recommendations, and Limitations</a:t>
+            </a:r>
+          </a:p>
+        </p:txBody>
+      </p:sp>
+      <p:sp>
+        <p:nvSpPr>
+          <p:cNvPr id="30" name="Rectangle 29">
+            <a:extLst>
+              <a:ext uri="{FF2B5EF4-FFF2-40B4-BE49-F238E27FC236}">
+                <a16:creationId xmlns:a16="http://schemas.microsoft.com/office/drawing/2014/main" id="{03438448-3A75-DA4C-BF70-440AE9CFC400}"/>
+              </a:ext>
+            </a:extLst>
+          </p:cNvPr>
+          <p:cNvSpPr/>
+          <p:nvPr/>
+        </p:nvSpPr>
+        <p:spPr>
+          <a:xfrm>
+            <a:off x="120316" y="3329042"/>
+            <a:ext cx="5905895" cy="3459464"/>
+          </a:xfrm>
+          <a:prstGeom prst="rect">
+            <a:avLst/>
+          </a:prstGeom>
+          <a:effectLst>
+            <a:outerShdw blurRad="50800" dist="38100" dir="8100000" algn="tr" rotWithShape="0">
+              <a:prstClr val="black">
+                <a:alpha val="40000"/>
+              </a:prstClr>
+            </a:outerShdw>
+            <a:softEdge rad="12700"/>
+          </a:effectLst>
+        </p:spPr>
+        <p:style>
+          <a:lnRef idx="2">
+            <a:schemeClr val="accent6"/>
+          </a:lnRef>
+          <a:fillRef idx="1">
+            <a:schemeClr val="lt1"/>
+          </a:fillRef>
+          <a:effectRef idx="0">
+            <a:schemeClr val="accent6"/>
+          </a:effectRef>
+          <a:fontRef idx="minor">
+            <a:schemeClr val="dk1"/>
+          </a:fontRef>
+        </p:style>
+        <p:txBody>
+          <a:bodyPr rtlCol="0" anchor="ctr"/>
+          <a:lstStyle/>
+          <a:p>
+            <a:pPr algn="ctr"/>
+            <a:endParaRPr lang="en-US"/>
+          </a:p>
+        </p:txBody>
+      </p:sp>
+      <p:sp>
+        <p:nvSpPr>
+          <p:cNvPr id="31" name="Rectangle 30">
+            <a:extLst>
+              <a:ext uri="{FF2B5EF4-FFF2-40B4-BE49-F238E27FC236}">
+                <a16:creationId xmlns:a16="http://schemas.microsoft.com/office/drawing/2014/main" id="{79793B60-005E-9441-99FC-2FF8D6E53DD4}"/>
+              </a:ext>
+            </a:extLst>
+          </p:cNvPr>
+          <p:cNvSpPr/>
+          <p:nvPr/>
+        </p:nvSpPr>
+        <p:spPr>
+          <a:xfrm>
+            <a:off x="6107428" y="3329042"/>
+            <a:ext cx="5905895" cy="3459464"/>
+          </a:xfrm>
+          <a:prstGeom prst="rect">
+            <a:avLst/>
+          </a:prstGeom>
+          <a:effectLst>
+            <a:outerShdw blurRad="50800" dist="38100" dir="8100000" algn="tr" rotWithShape="0">
+              <a:prstClr val="black">
+                <a:alpha val="40000"/>
+              </a:prstClr>
+            </a:outerShdw>
+            <a:softEdge rad="12700"/>
+          </a:effectLst>
+        </p:spPr>
+        <p:style>
+          <a:lnRef idx="2">
+            <a:schemeClr val="accent6"/>
+          </a:lnRef>
+          <a:fillRef idx="1">
+            <a:schemeClr val="lt1"/>
+          </a:fillRef>
+          <a:effectRef idx="0">
+            <a:schemeClr val="accent6"/>
+          </a:effectRef>
+          <a:fontRef idx="minor">
+            <a:schemeClr val="dk1"/>
+          </a:fontRef>
+        </p:style>
+        <p:txBody>
+          <a:bodyPr rtlCol="0" anchor="ctr"/>
+          <a:lstStyle/>
+          <a:p>
+            <a:pPr algn="ctr"/>
+            <a:endParaRPr lang="en-US"/>
+          </a:p>
+        </p:txBody>
+      </p:sp>
+      <p:sp>
+        <p:nvSpPr>
+          <p:cNvPr id="8" name="TextBox 7">
+            <a:extLst>
+              <a:ext uri="{FF2B5EF4-FFF2-40B4-BE49-F238E27FC236}">
+                <a16:creationId xmlns:a16="http://schemas.microsoft.com/office/drawing/2014/main" id="{CB390692-8F38-C145-955B-CE3C83C996AD}"/>
+              </a:ext>
+            </a:extLst>
+          </p:cNvPr>
+          <p:cNvSpPr txBox="1"/>
+          <p:nvPr/>
+        </p:nvSpPr>
+        <p:spPr>
+          <a:xfrm>
+            <a:off x="120316" y="1166940"/>
+            <a:ext cx="3943010" cy="1600438"/>
           </a:xfrm>
           <a:prstGeom prst="rect">
             <a:avLst/>
           </a:prstGeom>
           <a:noFill/>
-          <a:ln>
-            <a:solidFill>
-              <a:schemeClr val="tx2"/>
-            </a:solidFill>
-          </a:ln>
         </p:spPr>
         <p:txBody>
           <a:bodyPr wrap="square" rtlCol="0">
@@ -4524,24 +5029,38 @@
           <a:lstStyle/>
           <a:p>
             <a:r>
-              <a:rPr lang="en-US" dirty="0"/>
-              <a:t>Executive Summary</a:t>
-            </a:r>
-          </a:p>
-          <a:p>
-            <a:r>
-              <a:rPr lang="en-US" sz="1200" dirty="0"/>
-              <a:t>Lorem ipsum dolor blah blah blah blah blah blah blah blah blah blah blah blah blah blah blah blah blah blah blah blah blah blah blah blah blah blah blah blah blah blah blah blah blah blah blah blah blah blah blah blah blah blah blah blah blah</a:t>
-            </a:r>
-          </a:p>
-        </p:txBody>
-      </p:sp>
-      <p:sp>
-        <p:nvSpPr>
-          <p:cNvPr id="21" name="TextBox 20">
-            <a:extLst>
-              <a:ext uri="{FF2B5EF4-FFF2-40B4-BE49-F238E27FC236}">
-                <a16:creationId xmlns:a16="http://schemas.microsoft.com/office/drawing/2014/main" id="{6E98F73B-A06E-534C-8870-7E651D72DB54}"/>
+              <a:rPr lang="en-US" sz="1400" dirty="0"/>
+              <a:t>This analysis uses classification models to predict game outcomes, which can be used to identify high-impact areas of improvement. From the Logistic Regression model, we recommend:</a:t>
+            </a:r>
+          </a:p>
+          <a:p>
+            <a:pPr marL="285750" indent="-285750">
+              <a:buFontTx/>
+              <a:buChar char="-"/>
+            </a:pPr>
+            <a:r>
+              <a:rPr lang="en-US" sz="1400" dirty="0"/>
+              <a:t>Increasing Defensive Rebound amounts</a:t>
+            </a:r>
+          </a:p>
+          <a:p>
+            <a:pPr marL="285750" indent="-285750">
+              <a:buFontTx/>
+              <a:buChar char="-"/>
+            </a:pPr>
+            <a:r>
+              <a:rPr lang="en-US" sz="1400" dirty="0"/>
+              <a:t>Increasing Shot Attempt amounts</a:t>
+            </a:r>
+          </a:p>
+        </p:txBody>
+      </p:sp>
+      <p:sp>
+        <p:nvSpPr>
+          <p:cNvPr id="12" name="TextBox 11">
+            <a:extLst>
+              <a:ext uri="{FF2B5EF4-FFF2-40B4-BE49-F238E27FC236}">
+                <a16:creationId xmlns:a16="http://schemas.microsoft.com/office/drawing/2014/main" id="{E40B7D47-0ECB-FB4C-AD27-AAAA77591E49}"/>
               </a:ext>
             </a:extLst>
           </p:cNvPr>
@@ -4550,18 +5069,13 @@
         </p:nvSpPr>
         <p:spPr>
           <a:xfrm>
-            <a:off x="4239199" y="773335"/>
-            <a:ext cx="3839724" cy="1292662"/>
+            <a:off x="4089603" y="1173870"/>
+            <a:ext cx="3943009" cy="307777"/>
           </a:xfrm>
           <a:prstGeom prst="rect">
             <a:avLst/>
           </a:prstGeom>
           <a:noFill/>
-          <a:ln>
-            <a:solidFill>
-              <a:schemeClr val="tx2"/>
-            </a:solidFill>
-          </a:ln>
         </p:spPr>
         <p:txBody>
           <a:bodyPr wrap="square" rtlCol="0">
@@ -4570,459 +5084,12 @@
           <a:lstStyle/>
           <a:p>
             <a:r>
-              <a:rPr lang="en-US" dirty="0"/>
-              <a:t>Business Context</a:t>
-            </a:r>
-          </a:p>
-          <a:p>
-            <a:r>
-              <a:rPr lang="en-US" sz="1200" dirty="0"/>
-              <a:t>Lorem ipsum dolor blah blah blah blah blah blah blah blah blah blah blah blah blah blah blah blah blah blah blah blah blah blah blah blah blah blah blah blah blah blah blah blah blah blah blah blah blah blah blah blah blah blah blah blah blah</a:t>
-            </a:r>
-          </a:p>
-        </p:txBody>
-      </p:sp>
-      <p:sp>
-        <p:nvSpPr>
-          <p:cNvPr id="22" name="TextBox 21">
-            <a:extLst>
-              <a:ext uri="{FF2B5EF4-FFF2-40B4-BE49-F238E27FC236}">
-                <a16:creationId xmlns:a16="http://schemas.microsoft.com/office/drawing/2014/main" id="{8591C685-F517-5C4B-AF9C-7348AF258938}"/>
-              </a:ext>
-            </a:extLst>
-          </p:cNvPr>
-          <p:cNvSpPr txBox="1"/>
-          <p:nvPr/>
-        </p:nvSpPr>
-        <p:spPr>
-          <a:xfrm>
-            <a:off x="8352274" y="762898"/>
-            <a:ext cx="3661049" cy="1303031"/>
-          </a:xfrm>
-          <a:prstGeom prst="rect">
-            <a:avLst/>
-          </a:prstGeom>
-          <a:noFill/>
-          <a:ln>
-            <a:solidFill>
-              <a:schemeClr val="tx2"/>
-            </a:solidFill>
-          </a:ln>
-        </p:spPr>
-        <p:txBody>
-          <a:bodyPr wrap="square" rtlCol="0">
-            <a:spAutoFit/>
-          </a:bodyPr>
-          <a:lstStyle/>
-          <a:p>
-            <a:r>
-              <a:rPr lang="en-US" dirty="0"/>
-              <a:t>Data Overview</a:t>
-            </a:r>
-          </a:p>
-          <a:p>
-            <a:r>
-              <a:rPr lang="en-US" sz="1200" dirty="0"/>
-              <a:t>Lorem ipsum dolor blah blah blah blah blah blah blah blah blah blah blah blah blah blah blah blah blah blah blah blah blah blah blah blah blah blah blah</a:t>
-            </a:r>
-          </a:p>
-          <a:p>
-            <a:endParaRPr lang="en-US" sz="1200" dirty="0"/>
-          </a:p>
-        </p:txBody>
-      </p:sp>
-      <p:sp>
-        <p:nvSpPr>
-          <p:cNvPr id="23" name="TextBox 22">
-            <a:extLst>
-              <a:ext uri="{FF2B5EF4-FFF2-40B4-BE49-F238E27FC236}">
-                <a16:creationId xmlns:a16="http://schemas.microsoft.com/office/drawing/2014/main" id="{B17993A6-6C40-5344-854A-9BDFFFFD652E}"/>
-              </a:ext>
-            </a:extLst>
-          </p:cNvPr>
-          <p:cNvSpPr txBox="1"/>
-          <p:nvPr/>
-        </p:nvSpPr>
-        <p:spPr>
-          <a:xfrm>
-            <a:off x="117440" y="2263319"/>
-            <a:ext cx="7447142" cy="4431983"/>
-          </a:xfrm>
-          <a:prstGeom prst="rect">
-            <a:avLst/>
-          </a:prstGeom>
-          <a:noFill/>
-          <a:ln>
-            <a:solidFill>
-              <a:schemeClr val="tx2"/>
-            </a:solidFill>
-          </a:ln>
-        </p:spPr>
-        <p:txBody>
-          <a:bodyPr wrap="square" rtlCol="0">
-            <a:spAutoFit/>
-          </a:bodyPr>
-          <a:lstStyle/>
-          <a:p>
-            <a:r>
-              <a:rPr lang="en-US" dirty="0"/>
-              <a:t>Models and Methodology</a:t>
-            </a:r>
-          </a:p>
-          <a:p>
-            <a:r>
-              <a:rPr lang="en-US" sz="1200" dirty="0"/>
-              <a:t>Provide a Table of Models Used Here</a:t>
-            </a:r>
-          </a:p>
-          <a:p>
-            <a:r>
-              <a:rPr lang="en-US" sz="1200" dirty="0"/>
-              <a:t>Table of ROC, AUC and accuracy metrics</a:t>
-            </a:r>
-          </a:p>
-          <a:p>
-            <a:r>
-              <a:rPr lang="en-US" sz="1200" dirty="0"/>
-              <a:t>AUC Curve Plot</a:t>
-            </a:r>
-          </a:p>
-          <a:p>
-            <a:r>
-              <a:rPr lang="en-US" sz="1200" dirty="0"/>
-              <a:t>Feature Importance Plot of Best Model</a:t>
-            </a:r>
-          </a:p>
-          <a:p>
-            <a:r>
-              <a:rPr lang="en-US" sz="1200" dirty="0"/>
-              <a:t>A</a:t>
-            </a:r>
-          </a:p>
-          <a:p>
-            <a:r>
-              <a:rPr lang="en-US" sz="1200" dirty="0"/>
-              <a:t>A</a:t>
-            </a:r>
-          </a:p>
-          <a:p>
-            <a:r>
-              <a:rPr lang="en-US" sz="1200" dirty="0"/>
-              <a:t>A</a:t>
-            </a:r>
-          </a:p>
-          <a:p>
-            <a:r>
-              <a:rPr lang="en-US" sz="1200" dirty="0"/>
-              <a:t>A</a:t>
-            </a:r>
-          </a:p>
-          <a:p>
-            <a:endParaRPr lang="en-US" sz="1200" dirty="0"/>
-          </a:p>
-          <a:p>
-            <a:endParaRPr lang="en-US" sz="1200" dirty="0"/>
-          </a:p>
-          <a:p>
-            <a:endParaRPr lang="en-US" sz="1200" dirty="0"/>
-          </a:p>
-          <a:p>
-            <a:endParaRPr lang="en-US" sz="1200" dirty="0"/>
-          </a:p>
-          <a:p>
-            <a:endParaRPr lang="en-US" sz="1200" dirty="0"/>
-          </a:p>
-          <a:p>
-            <a:endParaRPr lang="en-US" sz="1200" dirty="0"/>
-          </a:p>
-          <a:p>
-            <a:endParaRPr lang="en-US" sz="1200" dirty="0"/>
-          </a:p>
-          <a:p>
-            <a:endParaRPr lang="en-US" sz="1200" dirty="0"/>
-          </a:p>
-          <a:p>
-            <a:endParaRPr lang="en-US" sz="1200" dirty="0"/>
-          </a:p>
-          <a:p>
-            <a:endParaRPr lang="en-US" sz="1200" dirty="0"/>
-          </a:p>
-          <a:p>
-            <a:endParaRPr lang="en-US" sz="1200" dirty="0"/>
-          </a:p>
-          <a:p>
-            <a:endParaRPr lang="en-US" sz="1200" dirty="0"/>
-          </a:p>
-          <a:p>
-            <a:endParaRPr lang="en-US" sz="1200" dirty="0"/>
-          </a:p>
-          <a:p>
-            <a:endParaRPr lang="en-US" sz="1200" dirty="0"/>
-          </a:p>
-        </p:txBody>
-      </p:sp>
-      <p:sp>
-        <p:nvSpPr>
-          <p:cNvPr id="24" name="TextBox 23">
-            <a:extLst>
-              <a:ext uri="{FF2B5EF4-FFF2-40B4-BE49-F238E27FC236}">
-                <a16:creationId xmlns:a16="http://schemas.microsoft.com/office/drawing/2014/main" id="{4EE7DB57-1046-A943-A101-98B8B81EE8B4}"/>
-              </a:ext>
-            </a:extLst>
-          </p:cNvPr>
-          <p:cNvSpPr txBox="1"/>
-          <p:nvPr/>
-        </p:nvSpPr>
-        <p:spPr>
-          <a:xfrm>
-            <a:off x="7968343" y="2270326"/>
-            <a:ext cx="4044981" cy="4431983"/>
-          </a:xfrm>
-          <a:prstGeom prst="rect">
-            <a:avLst/>
-          </a:prstGeom>
-          <a:noFill/>
-          <a:ln>
-            <a:solidFill>
-              <a:schemeClr val="tx2"/>
-            </a:solidFill>
-          </a:ln>
-        </p:spPr>
-        <p:txBody>
-          <a:bodyPr wrap="square" rtlCol="0">
-            <a:spAutoFit/>
-          </a:bodyPr>
-          <a:lstStyle/>
-          <a:p>
-            <a:r>
-              <a:rPr lang="en-US" dirty="0"/>
-              <a:t>Insights, Recommendations, and Limitations</a:t>
-            </a:r>
-          </a:p>
-          <a:p>
-            <a:r>
-              <a:rPr lang="en-US" sz="1200" dirty="0"/>
-              <a:t>Look at models and generate insights</a:t>
-            </a:r>
-          </a:p>
-          <a:p>
-            <a:endParaRPr lang="en-US" sz="1200" dirty="0"/>
-          </a:p>
-          <a:p>
-            <a:r>
-              <a:rPr lang="en-US" sz="1200" dirty="0"/>
-              <a:t>The models should tell us features to examine that allow us to predict wins better</a:t>
-            </a:r>
-          </a:p>
-          <a:p>
-            <a:r>
-              <a:rPr lang="en-US" sz="1200" dirty="0"/>
-              <a:t>(Maybe add feature importance?)</a:t>
-            </a:r>
-          </a:p>
-          <a:p>
-            <a:endParaRPr lang="en-US" sz="1200" dirty="0"/>
-          </a:p>
-          <a:p>
-            <a:endParaRPr lang="en-US" sz="1200" dirty="0"/>
-          </a:p>
-          <a:p>
-            <a:endParaRPr lang="en-US" sz="1200" dirty="0"/>
-          </a:p>
-          <a:p>
-            <a:endParaRPr lang="en-US" sz="1200" dirty="0"/>
-          </a:p>
-          <a:p>
-            <a:endParaRPr lang="en-US" sz="1200" dirty="0"/>
-          </a:p>
-          <a:p>
-            <a:endParaRPr lang="en-US" sz="1200" dirty="0"/>
-          </a:p>
-          <a:p>
-            <a:endParaRPr lang="en-US" sz="1200" dirty="0"/>
-          </a:p>
-          <a:p>
-            <a:endParaRPr lang="en-US" sz="1200" dirty="0"/>
-          </a:p>
-          <a:p>
-            <a:endParaRPr lang="en-US" sz="1200" dirty="0"/>
-          </a:p>
-          <a:p>
-            <a:endParaRPr lang="en-US" sz="1200" dirty="0"/>
-          </a:p>
-          <a:p>
-            <a:endParaRPr lang="en-US" sz="1200" dirty="0"/>
-          </a:p>
-          <a:p>
-            <a:endParaRPr lang="en-US" sz="1200" dirty="0"/>
-          </a:p>
-          <a:p>
-            <a:endParaRPr lang="en-US" sz="1200" dirty="0"/>
-          </a:p>
-          <a:p>
-            <a:endParaRPr lang="en-US" sz="1200" dirty="0"/>
-          </a:p>
-          <a:p>
-            <a:endParaRPr lang="en-US" sz="1200" dirty="0"/>
-          </a:p>
-        </p:txBody>
-      </p:sp>
-      <p:pic>
-        <p:nvPicPr>
-          <p:cNvPr id="1026" name="Picture 2" descr="Calculating AUC: the area under a ROC Curve (Revolutions)">
-            <a:extLst>
-              <a:ext uri="{FF2B5EF4-FFF2-40B4-BE49-F238E27FC236}">
-                <a16:creationId xmlns:a16="http://schemas.microsoft.com/office/drawing/2014/main" id="{55A8110E-7BB4-A37C-7E96-58F494B3B1D1}"/>
-              </a:ext>
-            </a:extLst>
-          </p:cNvPr>
-          <p:cNvPicPr>
-            <a:picLocks noChangeAspect="1" noChangeArrowheads="1"/>
-          </p:cNvPicPr>
-          <p:nvPr/>
-        </p:nvPicPr>
-        <p:blipFill>
-          <a:blip r:embed="rId4">
-            <a:extLst>
-              <a:ext uri="{28A0092B-C50C-407E-A947-70E740481C1C}">
-                <a14:useLocalDpi xmlns:a14="http://schemas.microsoft.com/office/drawing/2010/main" val="0"/>
-              </a:ext>
-            </a:extLst>
-          </a:blip>
-          <a:srcRect/>
-          <a:stretch>
-            <a:fillRect/>
-          </a:stretch>
-        </p:blipFill>
-        <p:spPr bwMode="auto">
-          <a:xfrm>
-            <a:off x="3345203" y="2342526"/>
-            <a:ext cx="3840893" cy="2108283"/>
-          </a:xfrm>
-          <a:prstGeom prst="rect">
-            <a:avLst/>
-          </a:prstGeom>
-          <a:noFill/>
-          <a:ln>
-            <a:solidFill>
-              <a:schemeClr val="tx1"/>
-            </a:solidFill>
-          </a:ln>
-          <a:extLst>
-            <a:ext uri="{909E8E84-426E-40DD-AFC4-6F175D3DCCD1}">
-              <a14:hiddenFill xmlns:a14="http://schemas.microsoft.com/office/drawing/2010/main">
-                <a:solidFill>
-                  <a:srgbClr val="FFFFFF"/>
-                </a:solidFill>
-              </a14:hiddenFill>
-            </a:ext>
-          </a:extLst>
-        </p:spPr>
-      </p:pic>
-      <p:pic>
-        <p:nvPicPr>
-          <p:cNvPr id="1030" name="Picture 6" descr="Learning Curve: Theory, Meaning, Formula, Graphs [2025]">
-            <a:extLst>
-              <a:ext uri="{FF2B5EF4-FFF2-40B4-BE49-F238E27FC236}">
-                <a16:creationId xmlns:a16="http://schemas.microsoft.com/office/drawing/2014/main" id="{92CB4D26-C94C-CF4A-DDD9-9366BA5EF235}"/>
-              </a:ext>
-            </a:extLst>
-          </p:cNvPr>
-          <p:cNvPicPr>
-            <a:picLocks noChangeAspect="1" noChangeArrowheads="1"/>
-          </p:cNvPicPr>
-          <p:nvPr/>
-        </p:nvPicPr>
-        <p:blipFill>
-          <a:blip r:embed="rId5">
-            <a:extLst>
-              <a:ext uri="{28A0092B-C50C-407E-A947-70E740481C1C}">
-                <a14:useLocalDpi xmlns:a14="http://schemas.microsoft.com/office/drawing/2010/main" val="0"/>
-              </a:ext>
-            </a:extLst>
-          </a:blip>
-          <a:srcRect/>
-          <a:stretch>
-            <a:fillRect/>
-          </a:stretch>
-        </p:blipFill>
-        <p:spPr bwMode="auto">
-          <a:xfrm>
-            <a:off x="3345203" y="4489783"/>
-            <a:ext cx="3840893" cy="2170244"/>
-          </a:xfrm>
-          <a:prstGeom prst="rect">
-            <a:avLst/>
-          </a:prstGeom>
-          <a:noFill/>
-          <a:ln>
-            <a:solidFill>
-              <a:schemeClr val="tx1"/>
-            </a:solidFill>
-          </a:ln>
-          <a:extLst>
-            <a:ext uri="{909E8E84-426E-40DD-AFC4-6F175D3DCCD1}">
-              <a14:hiddenFill xmlns:a14="http://schemas.microsoft.com/office/drawing/2010/main">
-                <a:solidFill>
-                  <a:srgbClr val="FFFFFF"/>
-                </a:solidFill>
-              </a14:hiddenFill>
-            </a:ext>
-          </a:extLst>
-        </p:spPr>
-      </p:pic>
-      <p:pic>
-        <p:nvPicPr>
-          <p:cNvPr id="1032" name="Picture 8" descr="Histograms Unveiled: Analyzing Numeric ...">
-            <a:extLst>
-              <a:ext uri="{FF2B5EF4-FFF2-40B4-BE49-F238E27FC236}">
-                <a16:creationId xmlns:a16="http://schemas.microsoft.com/office/drawing/2014/main" id="{0442F1D6-82E9-F16D-27D2-F04C15C047D1}"/>
-              </a:ext>
-            </a:extLst>
-          </p:cNvPr>
-          <p:cNvPicPr>
-            <a:picLocks noChangeAspect="1" noChangeArrowheads="1"/>
-          </p:cNvPicPr>
-          <p:nvPr/>
-        </p:nvPicPr>
-        <p:blipFill>
-          <a:blip r:embed="rId6">
-            <a:extLst>
-              <a:ext uri="{28A0092B-C50C-407E-A947-70E740481C1C}">
-                <a14:useLocalDpi xmlns:a14="http://schemas.microsoft.com/office/drawing/2010/main" val="0"/>
-              </a:ext>
-            </a:extLst>
-          </a:blip>
-          <a:srcRect/>
-          <a:stretch>
-            <a:fillRect/>
-          </a:stretch>
-        </p:blipFill>
-        <p:spPr bwMode="auto">
-          <a:xfrm>
-            <a:off x="8087264" y="4450809"/>
-            <a:ext cx="3024893" cy="2143790"/>
-          </a:xfrm>
-          <a:prstGeom prst="rect">
-            <a:avLst/>
-          </a:prstGeom>
-          <a:noFill/>
-          <a:ln>
-            <a:solidFill>
-              <a:schemeClr val="tx1"/>
-            </a:solidFill>
-          </a:ln>
-          <a:extLst>
-            <a:ext uri="{909E8E84-426E-40DD-AFC4-6F175D3DCCD1}">
-              <a14:hiddenFill xmlns:a14="http://schemas.microsoft.com/office/drawing/2010/main">
-                <a:solidFill>
-                  <a:srgbClr val="FFFFFF"/>
-                </a:solidFill>
-              </a14:hiddenFill>
-            </a:ext>
-          </a:extLst>
-        </p:spPr>
-      </p:pic>
+              <a:rPr lang="en-US" sz="1400" dirty="0"/>
+              <a:t>With the Logistic Regression model,  </a:t>
+            </a:r>
+          </a:p>
+        </p:txBody>
+      </p:sp>
     </p:spTree>
     <p:extLst>
       <p:ext uri="{BB962C8B-B14F-4D97-AF65-F5344CB8AC3E}">
